--- a/presentations/06. Yaygın olarak kullanılan dil ve kütüphaneler.pptx
+++ b/presentations/06. Yaygın olarak kullanılan dil ve kütüphaneler.pptx
@@ -112,6 +112,11 @@
       </a:defRPr>
     </a:lvl9pPr>
   </p:defaultTextStyle>
+  <p:extLst>
+    <p:ext uri="{EFAFB233-063F-42B5-8137-9DF3F51BA10A}">
+      <p15:sldGuideLst xmlns:p15="http://schemas.microsoft.com/office/powerpoint/2012/main"/>
+    </p:ext>
+  </p:extLst>
 </p:presentation>
 </file>
 
@@ -3722,6 +3727,42 @@
           </a:extLst>
         </p:spPr>
       </p:pic>
+      <p:pic>
+        <p:nvPicPr>
+          <p:cNvPr id="10" name="Resim 9">
+            <a:extLst>
+              <a:ext uri="{FF2B5EF4-FFF2-40B4-BE49-F238E27FC236}">
+                <a16:creationId xmlns:a16="http://schemas.microsoft.com/office/drawing/2014/main" id="{FF5CC34F-FF19-47F3-B4A4-753E0FD29288}"/>
+              </a:ext>
+            </a:extLst>
+          </p:cNvPr>
+          <p:cNvPicPr>
+            <a:picLocks noChangeAspect="1"/>
+          </p:cNvPicPr>
+          <p:nvPr/>
+        </p:nvPicPr>
+        <p:blipFill>
+          <a:blip r:embed="rId8">
+            <a:extLst>
+              <a:ext uri="{28A0092B-C50C-407E-A947-70E740481C1C}">
+                <a14:useLocalDpi xmlns:a14="http://schemas.microsoft.com/office/drawing/2010/main" val="0"/>
+              </a:ext>
+            </a:extLst>
+          </a:blip>
+          <a:stretch>
+            <a:fillRect/>
+          </a:stretch>
+        </p:blipFill>
+        <p:spPr>
+          <a:xfrm>
+            <a:off x="185300" y="6409183"/>
+            <a:ext cx="2250142" cy="322024"/>
+          </a:xfrm>
+          <a:prstGeom prst="rect">
+            <a:avLst/>
+          </a:prstGeom>
+        </p:spPr>
+      </p:pic>
     </p:spTree>
     <p:extLst>
       <p:ext uri="{BB962C8B-B14F-4D97-AF65-F5344CB8AC3E}">
@@ -4662,6 +4703,42 @@
           </a:extLst>
         </p:spPr>
       </p:pic>
+      <p:pic>
+        <p:nvPicPr>
+          <p:cNvPr id="10" name="Resim 9">
+            <a:extLst>
+              <a:ext uri="{FF2B5EF4-FFF2-40B4-BE49-F238E27FC236}">
+                <a16:creationId xmlns:a16="http://schemas.microsoft.com/office/drawing/2014/main" id="{AAF1EB1C-9621-42DE-99CD-C94521BE8B48}"/>
+              </a:ext>
+            </a:extLst>
+          </p:cNvPr>
+          <p:cNvPicPr>
+            <a:picLocks noChangeAspect="1"/>
+          </p:cNvPicPr>
+          <p:nvPr/>
+        </p:nvPicPr>
+        <p:blipFill>
+          <a:blip r:embed="rId8">
+            <a:extLst>
+              <a:ext uri="{28A0092B-C50C-407E-A947-70E740481C1C}">
+                <a14:useLocalDpi xmlns:a14="http://schemas.microsoft.com/office/drawing/2010/main" val="0"/>
+              </a:ext>
+            </a:extLst>
+          </a:blip>
+          <a:stretch>
+            <a:fillRect/>
+          </a:stretch>
+        </p:blipFill>
+        <p:spPr>
+          <a:xfrm>
+            <a:off x="185300" y="6409183"/>
+            <a:ext cx="2250142" cy="322024"/>
+          </a:xfrm>
+          <a:prstGeom prst="rect">
+            <a:avLst/>
+          </a:prstGeom>
+        </p:spPr>
+      </p:pic>
     </p:spTree>
     <p:extLst>
       <p:ext uri="{BB962C8B-B14F-4D97-AF65-F5344CB8AC3E}">
@@ -5216,6 +5293,42 @@
           </a:p>
         </p:txBody>
       </p:sp>
+      <p:pic>
+        <p:nvPicPr>
+          <p:cNvPr id="15" name="Resim 14">
+            <a:extLst>
+              <a:ext uri="{FF2B5EF4-FFF2-40B4-BE49-F238E27FC236}">
+                <a16:creationId xmlns:a16="http://schemas.microsoft.com/office/drawing/2014/main" id="{A4FFFBA9-A505-42C7-A608-3EB52B71B6D2}"/>
+              </a:ext>
+            </a:extLst>
+          </p:cNvPr>
+          <p:cNvPicPr>
+            <a:picLocks noChangeAspect="1"/>
+          </p:cNvPicPr>
+          <p:nvPr/>
+        </p:nvPicPr>
+        <p:blipFill>
+          <a:blip r:embed="rId13">
+            <a:extLst>
+              <a:ext uri="{28A0092B-C50C-407E-A947-70E740481C1C}">
+                <a14:useLocalDpi xmlns:a14="http://schemas.microsoft.com/office/drawing/2010/main" val="0"/>
+              </a:ext>
+            </a:extLst>
+          </a:blip>
+          <a:stretch>
+            <a:fillRect/>
+          </a:stretch>
+        </p:blipFill>
+        <p:spPr>
+          <a:xfrm>
+            <a:off x="185300" y="6409183"/>
+            <a:ext cx="2250142" cy="322024"/>
+          </a:xfrm>
+          <a:prstGeom prst="rect">
+            <a:avLst/>
+          </a:prstGeom>
+        </p:spPr>
+      </p:pic>
     </p:spTree>
     <p:extLst>
       <p:ext uri="{BB962C8B-B14F-4D97-AF65-F5344CB8AC3E}">
@@ -6452,6 +6565,42 @@
           </a:p>
         </p:txBody>
       </p:sp>
+      <p:pic>
+        <p:nvPicPr>
+          <p:cNvPr id="6" name="Resim 5">
+            <a:extLst>
+              <a:ext uri="{FF2B5EF4-FFF2-40B4-BE49-F238E27FC236}">
+                <a16:creationId xmlns:a16="http://schemas.microsoft.com/office/drawing/2014/main" id="{E05B1C81-604C-4873-84DF-E289B4F2CA62}"/>
+              </a:ext>
+            </a:extLst>
+          </p:cNvPr>
+          <p:cNvPicPr>
+            <a:picLocks noChangeAspect="1"/>
+          </p:cNvPicPr>
+          <p:nvPr/>
+        </p:nvPicPr>
+        <p:blipFill>
+          <a:blip r:embed="rId3">
+            <a:extLst>
+              <a:ext uri="{28A0092B-C50C-407E-A947-70E740481C1C}">
+                <a14:useLocalDpi xmlns:a14="http://schemas.microsoft.com/office/drawing/2010/main" val="0"/>
+              </a:ext>
+            </a:extLst>
+          </a:blip>
+          <a:stretch>
+            <a:fillRect/>
+          </a:stretch>
+        </p:blipFill>
+        <p:spPr>
+          <a:xfrm>
+            <a:off x="185300" y="6409183"/>
+            <a:ext cx="2250142" cy="322024"/>
+          </a:xfrm>
+          <a:prstGeom prst="rect">
+            <a:avLst/>
+          </a:prstGeom>
+        </p:spPr>
+      </p:pic>
     </p:spTree>
     <p:extLst>
       <p:ext uri="{BB962C8B-B14F-4D97-AF65-F5344CB8AC3E}">
@@ -6905,6 +7054,42 @@
           </a:prstGeom>
         </p:spPr>
       </p:pic>
+      <p:pic>
+        <p:nvPicPr>
+          <p:cNvPr id="7" name="Resim 6">
+            <a:extLst>
+              <a:ext uri="{FF2B5EF4-FFF2-40B4-BE49-F238E27FC236}">
+                <a16:creationId xmlns:a16="http://schemas.microsoft.com/office/drawing/2014/main" id="{373F6A54-BC6E-43D4-A388-C389A66D7854}"/>
+              </a:ext>
+            </a:extLst>
+          </p:cNvPr>
+          <p:cNvPicPr>
+            <a:picLocks noChangeAspect="1"/>
+          </p:cNvPicPr>
+          <p:nvPr/>
+        </p:nvPicPr>
+        <p:blipFill>
+          <a:blip r:embed="rId3">
+            <a:extLst>
+              <a:ext uri="{28A0092B-C50C-407E-A947-70E740481C1C}">
+                <a14:useLocalDpi xmlns:a14="http://schemas.microsoft.com/office/drawing/2010/main" val="0"/>
+              </a:ext>
+            </a:extLst>
+          </a:blip>
+          <a:stretch>
+            <a:fillRect/>
+          </a:stretch>
+        </p:blipFill>
+        <p:spPr>
+          <a:xfrm>
+            <a:off x="185300" y="6409183"/>
+            <a:ext cx="2250142" cy="322024"/>
+          </a:xfrm>
+          <a:prstGeom prst="rect">
+            <a:avLst/>
+          </a:prstGeom>
+        </p:spPr>
+      </p:pic>
     </p:spTree>
     <p:extLst>
       <p:ext uri="{BB962C8B-B14F-4D97-AF65-F5344CB8AC3E}">
@@ -7259,6 +7444,42 @@
           </a:prstGeom>
         </p:spPr>
       </p:pic>
+      <p:pic>
+        <p:nvPicPr>
+          <p:cNvPr id="5" name="Resim 4">
+            <a:extLst>
+              <a:ext uri="{FF2B5EF4-FFF2-40B4-BE49-F238E27FC236}">
+                <a16:creationId xmlns:a16="http://schemas.microsoft.com/office/drawing/2014/main" id="{7C5F712D-BA03-4881-B346-008CC287C201}"/>
+              </a:ext>
+            </a:extLst>
+          </p:cNvPr>
+          <p:cNvPicPr>
+            <a:picLocks noChangeAspect="1"/>
+          </p:cNvPicPr>
+          <p:nvPr/>
+        </p:nvPicPr>
+        <p:blipFill>
+          <a:blip r:embed="rId3">
+            <a:extLst>
+              <a:ext uri="{28A0092B-C50C-407E-A947-70E740481C1C}">
+                <a14:useLocalDpi xmlns:a14="http://schemas.microsoft.com/office/drawing/2010/main" val="0"/>
+              </a:ext>
+            </a:extLst>
+          </a:blip>
+          <a:stretch>
+            <a:fillRect/>
+          </a:stretch>
+        </p:blipFill>
+        <p:spPr>
+          <a:xfrm>
+            <a:off x="185300" y="6409183"/>
+            <a:ext cx="2250142" cy="322024"/>
+          </a:xfrm>
+          <a:prstGeom prst="rect">
+            <a:avLst/>
+          </a:prstGeom>
+        </p:spPr>
+      </p:pic>
     </p:spTree>
     <p:extLst>
       <p:ext uri="{BB962C8B-B14F-4D97-AF65-F5344CB8AC3E}">
@@ -7599,6 +7820,42 @@
           </a:extLst>
         </p:spPr>
       </p:pic>
+      <p:pic>
+        <p:nvPicPr>
+          <p:cNvPr id="5" name="Resim 4">
+            <a:extLst>
+              <a:ext uri="{FF2B5EF4-FFF2-40B4-BE49-F238E27FC236}">
+                <a16:creationId xmlns:a16="http://schemas.microsoft.com/office/drawing/2014/main" id="{DFCB3E3F-C4B5-43C8-BBF1-069700541BE2}"/>
+              </a:ext>
+            </a:extLst>
+          </p:cNvPr>
+          <p:cNvPicPr>
+            <a:picLocks noChangeAspect="1"/>
+          </p:cNvPicPr>
+          <p:nvPr/>
+        </p:nvPicPr>
+        <p:blipFill>
+          <a:blip r:embed="rId4">
+            <a:extLst>
+              <a:ext uri="{28A0092B-C50C-407E-A947-70E740481C1C}">
+                <a14:useLocalDpi xmlns:a14="http://schemas.microsoft.com/office/drawing/2010/main" val="0"/>
+              </a:ext>
+            </a:extLst>
+          </a:blip>
+          <a:stretch>
+            <a:fillRect/>
+          </a:stretch>
+        </p:blipFill>
+        <p:spPr>
+          <a:xfrm>
+            <a:off x="185300" y="6409183"/>
+            <a:ext cx="2250142" cy="322024"/>
+          </a:xfrm>
+          <a:prstGeom prst="rect">
+            <a:avLst/>
+          </a:prstGeom>
+        </p:spPr>
+      </p:pic>
     </p:spTree>
     <p:extLst>
       <p:ext uri="{BB962C8B-B14F-4D97-AF65-F5344CB8AC3E}">
@@ -7971,6 +8228,42 @@
           <a:xfrm>
             <a:off x="642396" y="1896473"/>
             <a:ext cx="2772136" cy="2772136"/>
+          </a:xfrm>
+          <a:prstGeom prst="rect">
+            <a:avLst/>
+          </a:prstGeom>
+        </p:spPr>
+      </p:pic>
+      <p:pic>
+        <p:nvPicPr>
+          <p:cNvPr id="6" name="Resim 5">
+            <a:extLst>
+              <a:ext uri="{FF2B5EF4-FFF2-40B4-BE49-F238E27FC236}">
+                <a16:creationId xmlns:a16="http://schemas.microsoft.com/office/drawing/2014/main" id="{48C9D409-CF4A-4495-B64F-DD59ECC9F7A6}"/>
+              </a:ext>
+            </a:extLst>
+          </p:cNvPr>
+          <p:cNvPicPr>
+            <a:picLocks noChangeAspect="1"/>
+          </p:cNvPicPr>
+          <p:nvPr/>
+        </p:nvPicPr>
+        <p:blipFill>
+          <a:blip r:embed="rId3">
+            <a:extLst>
+              <a:ext uri="{28A0092B-C50C-407E-A947-70E740481C1C}">
+                <a14:useLocalDpi xmlns:a14="http://schemas.microsoft.com/office/drawing/2010/main" val="0"/>
+              </a:ext>
+            </a:extLst>
+          </a:blip>
+          <a:stretch>
+            <a:fillRect/>
+          </a:stretch>
+        </p:blipFill>
+        <p:spPr>
+          <a:xfrm>
+            <a:off x="185300" y="6409183"/>
+            <a:ext cx="2250142" cy="322024"/>
           </a:xfrm>
           <a:prstGeom prst="rect">
             <a:avLst/>

--- a/presentations/06. Yaygın olarak kullanılan dil ve kütüphaneler.pptx
+++ b/presentations/06. Yaygın olarak kullanılan dil ve kütüphaneler.pptx
@@ -269,7 +269,7 @@
           <a:p>
             <a:fld id="{EC975432-B453-424C-8A63-C6C9D4B019C8}" type="datetimeFigureOut">
               <a:rPr lang="en-US" smtClean="0"/>
-              <a:t>10/1/2019</a:t>
+              <a:t>10/2/2019</a:t>
             </a:fld>
             <a:endParaRPr lang="en-US"/>
           </a:p>
@@ -469,7 +469,7 @@
           <a:p>
             <a:fld id="{EC975432-B453-424C-8A63-C6C9D4B019C8}" type="datetimeFigureOut">
               <a:rPr lang="en-US" smtClean="0"/>
-              <a:t>10/1/2019</a:t>
+              <a:t>10/2/2019</a:t>
             </a:fld>
             <a:endParaRPr lang="en-US"/>
           </a:p>
@@ -679,7 +679,7 @@
           <a:p>
             <a:fld id="{EC975432-B453-424C-8A63-C6C9D4B019C8}" type="datetimeFigureOut">
               <a:rPr lang="en-US" smtClean="0"/>
-              <a:t>10/1/2019</a:t>
+              <a:t>10/2/2019</a:t>
             </a:fld>
             <a:endParaRPr lang="en-US"/>
           </a:p>
@@ -879,7 +879,7 @@
           <a:p>
             <a:fld id="{EC975432-B453-424C-8A63-C6C9D4B019C8}" type="datetimeFigureOut">
               <a:rPr lang="en-US" smtClean="0"/>
-              <a:t>10/1/2019</a:t>
+              <a:t>10/2/2019</a:t>
             </a:fld>
             <a:endParaRPr lang="en-US"/>
           </a:p>
@@ -1155,7 +1155,7 @@
           <a:p>
             <a:fld id="{EC975432-B453-424C-8A63-C6C9D4B019C8}" type="datetimeFigureOut">
               <a:rPr lang="en-US" smtClean="0"/>
-              <a:t>10/1/2019</a:t>
+              <a:t>10/2/2019</a:t>
             </a:fld>
             <a:endParaRPr lang="en-US"/>
           </a:p>
@@ -1423,7 +1423,7 @@
           <a:p>
             <a:fld id="{EC975432-B453-424C-8A63-C6C9D4B019C8}" type="datetimeFigureOut">
               <a:rPr lang="en-US" smtClean="0"/>
-              <a:t>10/1/2019</a:t>
+              <a:t>10/2/2019</a:t>
             </a:fld>
             <a:endParaRPr lang="en-US"/>
           </a:p>
@@ -1838,7 +1838,7 @@
           <a:p>
             <a:fld id="{EC975432-B453-424C-8A63-C6C9D4B019C8}" type="datetimeFigureOut">
               <a:rPr lang="en-US" smtClean="0"/>
-              <a:t>10/1/2019</a:t>
+              <a:t>10/2/2019</a:t>
             </a:fld>
             <a:endParaRPr lang="en-US"/>
           </a:p>
@@ -1980,7 +1980,7 @@
           <a:p>
             <a:fld id="{EC975432-B453-424C-8A63-C6C9D4B019C8}" type="datetimeFigureOut">
               <a:rPr lang="en-US" smtClean="0"/>
-              <a:t>10/1/2019</a:t>
+              <a:t>10/2/2019</a:t>
             </a:fld>
             <a:endParaRPr lang="en-US"/>
           </a:p>
@@ -2093,7 +2093,7 @@
           <a:p>
             <a:fld id="{EC975432-B453-424C-8A63-C6C9D4B019C8}" type="datetimeFigureOut">
               <a:rPr lang="en-US" smtClean="0"/>
-              <a:t>10/1/2019</a:t>
+              <a:t>10/2/2019</a:t>
             </a:fld>
             <a:endParaRPr lang="en-US"/>
           </a:p>
@@ -2406,7 +2406,7 @@
           <a:p>
             <a:fld id="{EC975432-B453-424C-8A63-C6C9D4B019C8}" type="datetimeFigureOut">
               <a:rPr lang="en-US" smtClean="0"/>
-              <a:t>10/1/2019</a:t>
+              <a:t>10/2/2019</a:t>
             </a:fld>
             <a:endParaRPr lang="en-US"/>
           </a:p>
@@ -2695,7 +2695,7 @@
           <a:p>
             <a:fld id="{EC975432-B453-424C-8A63-C6C9D4B019C8}" type="datetimeFigureOut">
               <a:rPr lang="en-US" smtClean="0"/>
-              <a:t>10/1/2019</a:t>
+              <a:t>10/2/2019</a:t>
             </a:fld>
             <a:endParaRPr lang="en-US"/>
           </a:p>
@@ -2938,7 +2938,7 @@
           <a:p>
             <a:fld id="{EC975432-B453-424C-8A63-C6C9D4B019C8}" type="datetimeFigureOut">
               <a:rPr lang="en-US" smtClean="0"/>
-              <a:t>10/1/2019</a:t>
+              <a:t>10/2/2019</a:t>
             </a:fld>
             <a:endParaRPr lang="en-US"/>
           </a:p>
@@ -7121,7 +7121,7 @@
                             </p:stCondLst>
                             <p:childTnLst>
                               <p:par>
-                                <p:cTn id="5" presetID="22" presetClass="entr" presetSubtype="8" fill="hold" grpId="0" nodeType="clickEffect">
+                                <p:cTn id="5" presetID="53" presetClass="entr" presetSubtype="16" fill="hold" nodeType="clickEffect">
                                   <p:stCondLst>
                                     <p:cond delay="0"/>
                                   </p:stCondLst>
@@ -7134,112 +7134,6 @@
                                           </p:stCondLst>
                                         </p:cTn>
                                         <p:tgtEl>
-                                          <p:spTgt spid="4"/>
-                                        </p:tgtEl>
-                                        <p:attrNameLst>
-                                          <p:attrName>style.visibility</p:attrName>
-                                        </p:attrNameLst>
-                                      </p:cBhvr>
-                                      <p:to>
-                                        <p:strVal val="visible"/>
-                                      </p:to>
-                                    </p:set>
-                                    <p:animEffect transition="in" filter="wipe(left)">
-                                      <p:cBhvr>
-                                        <p:cTn id="7" dur="500"/>
-                                        <p:tgtEl>
-                                          <p:spTgt spid="4"/>
-                                        </p:tgtEl>
-                                      </p:cBhvr>
-                                    </p:animEffect>
-                                  </p:childTnLst>
-                                </p:cTn>
-                              </p:par>
-                            </p:childTnLst>
-                          </p:cTn>
-                        </p:par>
-                      </p:childTnLst>
-                    </p:cTn>
-                  </p:par>
-                  <p:par>
-                    <p:cTn id="8" fill="hold">
-                      <p:stCondLst>
-                        <p:cond delay="indefinite"/>
-                      </p:stCondLst>
-                      <p:childTnLst>
-                        <p:par>
-                          <p:cTn id="9" fill="hold">
-                            <p:stCondLst>
-                              <p:cond delay="0"/>
-                            </p:stCondLst>
-                            <p:childTnLst>
-                              <p:par>
-                                <p:cTn id="10" presetID="10" presetClass="entr" presetSubtype="0" fill="hold" grpId="0" nodeType="clickEffect">
-                                  <p:stCondLst>
-                                    <p:cond delay="0"/>
-                                  </p:stCondLst>
-                                  <p:childTnLst>
-                                    <p:set>
-                                      <p:cBhvr>
-                                        <p:cTn id="11" dur="1" fill="hold">
-                                          <p:stCondLst>
-                                            <p:cond delay="0"/>
-                                          </p:stCondLst>
-                                        </p:cTn>
-                                        <p:tgtEl>
-                                          <p:spTgt spid="5"/>
-                                        </p:tgtEl>
-                                        <p:attrNameLst>
-                                          <p:attrName>style.visibility</p:attrName>
-                                        </p:attrNameLst>
-                                      </p:cBhvr>
-                                      <p:to>
-                                        <p:strVal val="visible"/>
-                                      </p:to>
-                                    </p:set>
-                                    <p:animEffect transition="in" filter="fade">
-                                      <p:cBhvr>
-                                        <p:cTn id="12" dur="500"/>
-                                        <p:tgtEl>
-                                          <p:spTgt spid="5"/>
-                                        </p:tgtEl>
-                                      </p:cBhvr>
-                                    </p:animEffect>
-                                  </p:childTnLst>
-                                </p:cTn>
-                              </p:par>
-                            </p:childTnLst>
-                          </p:cTn>
-                        </p:par>
-                      </p:childTnLst>
-                    </p:cTn>
-                  </p:par>
-                  <p:par>
-                    <p:cTn id="13" fill="hold">
-                      <p:stCondLst>
-                        <p:cond delay="indefinite"/>
-                      </p:stCondLst>
-                      <p:childTnLst>
-                        <p:par>
-                          <p:cTn id="14" fill="hold">
-                            <p:stCondLst>
-                              <p:cond delay="0"/>
-                            </p:stCondLst>
-                            <p:childTnLst>
-                              <p:par>
-                                <p:cTn id="15" presetID="53" presetClass="entr" presetSubtype="16" fill="hold" nodeType="clickEffect">
-                                  <p:stCondLst>
-                                    <p:cond delay="0"/>
-                                  </p:stCondLst>
-                                  <p:childTnLst>
-                                    <p:set>
-                                      <p:cBhvr>
-                                        <p:cTn id="16" dur="1" fill="hold">
-                                          <p:stCondLst>
-                                            <p:cond delay="0"/>
-                                          </p:stCondLst>
-                                        </p:cTn>
-                                        <p:tgtEl>
                                           <p:spTgt spid="6"/>
                                         </p:tgtEl>
                                         <p:attrNameLst>
@@ -7252,7 +7146,7 @@
                                     </p:set>
                                     <p:anim calcmode="lin" valueType="num">
                                       <p:cBhvr>
-                                        <p:cTn id="17" dur="500" fill="hold"/>
+                                        <p:cTn id="7" dur="500" fill="hold"/>
                                         <p:tgtEl>
                                           <p:spTgt spid="6"/>
                                         </p:tgtEl>
@@ -7275,7 +7169,7 @@
                                     </p:anim>
                                     <p:anim calcmode="lin" valueType="num">
                                       <p:cBhvr>
-                                        <p:cTn id="18" dur="500" fill="hold"/>
+                                        <p:cTn id="8" dur="500" fill="hold"/>
                                         <p:tgtEl>
                                           <p:spTgt spid="6"/>
                                         </p:tgtEl>
@@ -7298,9 +7192,115 @@
                                     </p:anim>
                                     <p:animEffect transition="in" filter="fade">
                                       <p:cBhvr>
+                                        <p:cTn id="9" dur="500"/>
+                                        <p:tgtEl>
+                                          <p:spTgt spid="6"/>
+                                        </p:tgtEl>
+                                      </p:cBhvr>
+                                    </p:animEffect>
+                                  </p:childTnLst>
+                                </p:cTn>
+                              </p:par>
+                            </p:childTnLst>
+                          </p:cTn>
+                        </p:par>
+                      </p:childTnLst>
+                    </p:cTn>
+                  </p:par>
+                  <p:par>
+                    <p:cTn id="10" fill="hold">
+                      <p:stCondLst>
+                        <p:cond delay="indefinite"/>
+                      </p:stCondLst>
+                      <p:childTnLst>
+                        <p:par>
+                          <p:cTn id="11" fill="hold">
+                            <p:stCondLst>
+                              <p:cond delay="0"/>
+                            </p:stCondLst>
+                            <p:childTnLst>
+                              <p:par>
+                                <p:cTn id="12" presetID="22" presetClass="entr" presetSubtype="8" fill="hold" grpId="0" nodeType="clickEffect">
+                                  <p:stCondLst>
+                                    <p:cond delay="0"/>
+                                  </p:stCondLst>
+                                  <p:childTnLst>
+                                    <p:set>
+                                      <p:cBhvr>
+                                        <p:cTn id="13" dur="1" fill="hold">
+                                          <p:stCondLst>
+                                            <p:cond delay="0"/>
+                                          </p:stCondLst>
+                                        </p:cTn>
+                                        <p:tgtEl>
+                                          <p:spTgt spid="4"/>
+                                        </p:tgtEl>
+                                        <p:attrNameLst>
+                                          <p:attrName>style.visibility</p:attrName>
+                                        </p:attrNameLst>
+                                      </p:cBhvr>
+                                      <p:to>
+                                        <p:strVal val="visible"/>
+                                      </p:to>
+                                    </p:set>
+                                    <p:animEffect transition="in" filter="wipe(left)">
+                                      <p:cBhvr>
+                                        <p:cTn id="14" dur="500"/>
+                                        <p:tgtEl>
+                                          <p:spTgt spid="4"/>
+                                        </p:tgtEl>
+                                      </p:cBhvr>
+                                    </p:animEffect>
+                                  </p:childTnLst>
+                                </p:cTn>
+                              </p:par>
+                            </p:childTnLst>
+                          </p:cTn>
+                        </p:par>
+                      </p:childTnLst>
+                    </p:cTn>
+                  </p:par>
+                  <p:par>
+                    <p:cTn id="15" fill="hold">
+                      <p:stCondLst>
+                        <p:cond delay="indefinite"/>
+                      </p:stCondLst>
+                      <p:childTnLst>
+                        <p:par>
+                          <p:cTn id="16" fill="hold">
+                            <p:stCondLst>
+                              <p:cond delay="0"/>
+                            </p:stCondLst>
+                            <p:childTnLst>
+                              <p:par>
+                                <p:cTn id="17" presetID="10" presetClass="entr" presetSubtype="0" fill="hold" grpId="0" nodeType="clickEffect">
+                                  <p:stCondLst>
+                                    <p:cond delay="0"/>
+                                  </p:stCondLst>
+                                  <p:childTnLst>
+                                    <p:set>
+                                      <p:cBhvr>
+                                        <p:cTn id="18" dur="1" fill="hold">
+                                          <p:stCondLst>
+                                            <p:cond delay="0"/>
+                                          </p:stCondLst>
+                                        </p:cTn>
+                                        <p:tgtEl>
+                                          <p:spTgt spid="5"/>
+                                        </p:tgtEl>
+                                        <p:attrNameLst>
+                                          <p:attrName>style.visibility</p:attrName>
+                                        </p:attrNameLst>
+                                      </p:cBhvr>
+                                      <p:to>
+                                        <p:strVal val="visible"/>
+                                      </p:to>
+                                    </p:set>
+                                    <p:animEffect transition="in" filter="fade">
+                                      <p:cBhvr>
                                         <p:cTn id="19" dur="500"/>
                                         <p:tgtEl>
-                                          <p:spTgt spid="6"/>
+                                          <p:spTgt spid="5"/>
                                         </p:tgtEl>
                                       </p:cBhvr>
                                     </p:animEffect>
@@ -7511,7 +7511,7 @@
                             </p:stCondLst>
                             <p:childTnLst>
                               <p:par>
-                                <p:cTn id="5" presetID="22" presetClass="entr" presetSubtype="8" fill="hold" grpId="0" nodeType="clickEffect">
+                                <p:cTn id="5" presetID="53" presetClass="entr" presetSubtype="16" fill="hold" nodeType="clickEffect">
                                   <p:stCondLst>
                                     <p:cond delay="0"/>
                                   </p:stCondLst>
@@ -7524,59 +7524,6 @@
                                           </p:stCondLst>
                                         </p:cTn>
                                         <p:tgtEl>
-                                          <p:spTgt spid="4"/>
-                                        </p:tgtEl>
-                                        <p:attrNameLst>
-                                          <p:attrName>style.visibility</p:attrName>
-                                        </p:attrNameLst>
-                                      </p:cBhvr>
-                                      <p:to>
-                                        <p:strVal val="visible"/>
-                                      </p:to>
-                                    </p:set>
-                                    <p:animEffect transition="in" filter="wipe(left)">
-                                      <p:cBhvr>
-                                        <p:cTn id="7" dur="500"/>
-                                        <p:tgtEl>
-                                          <p:spTgt spid="4"/>
-                                        </p:tgtEl>
-                                      </p:cBhvr>
-                                    </p:animEffect>
-                                  </p:childTnLst>
-                                </p:cTn>
-                              </p:par>
-                            </p:childTnLst>
-                          </p:cTn>
-                        </p:par>
-                      </p:childTnLst>
-                    </p:cTn>
-                  </p:par>
-                  <p:par>
-                    <p:cTn id="8" fill="hold">
-                      <p:stCondLst>
-                        <p:cond delay="indefinite"/>
-                      </p:stCondLst>
-                      <p:childTnLst>
-                        <p:par>
-                          <p:cTn id="9" fill="hold">
-                            <p:stCondLst>
-                              <p:cond delay="0"/>
-                            </p:stCondLst>
-                            <p:childTnLst>
-                              <p:par>
-                                <p:cTn id="10" presetID="53" presetClass="entr" presetSubtype="16" fill="hold" nodeType="clickEffect">
-                                  <p:stCondLst>
-                                    <p:cond delay="0"/>
-                                  </p:stCondLst>
-                                  <p:childTnLst>
-                                    <p:set>
-                                      <p:cBhvr>
-                                        <p:cTn id="11" dur="1" fill="hold">
-                                          <p:stCondLst>
-                                            <p:cond delay="0"/>
-                                          </p:stCondLst>
-                                        </p:cTn>
-                                        <p:tgtEl>
                                           <p:spTgt spid="7"/>
                                         </p:tgtEl>
                                         <p:attrNameLst>
@@ -7589,7 +7536,7 @@
                                     </p:set>
                                     <p:anim calcmode="lin" valueType="num">
                                       <p:cBhvr>
-                                        <p:cTn id="12" dur="500" fill="hold"/>
+                                        <p:cTn id="7" dur="500" fill="hold"/>
                                         <p:tgtEl>
                                           <p:spTgt spid="7"/>
                                         </p:tgtEl>
@@ -7612,7 +7559,7 @@
                                     </p:anim>
                                     <p:anim calcmode="lin" valueType="num">
                                       <p:cBhvr>
-                                        <p:cTn id="13" dur="500" fill="hold"/>
+                                        <p:cTn id="8" dur="500" fill="hold"/>
                                         <p:tgtEl>
                                           <p:spTgt spid="7"/>
                                         </p:tgtEl>
@@ -7635,9 +7582,62 @@
                                     </p:anim>
                                     <p:animEffect transition="in" filter="fade">
                                       <p:cBhvr>
+                                        <p:cTn id="9" dur="500"/>
+                                        <p:tgtEl>
+                                          <p:spTgt spid="7"/>
+                                        </p:tgtEl>
+                                      </p:cBhvr>
+                                    </p:animEffect>
+                                  </p:childTnLst>
+                                </p:cTn>
+                              </p:par>
+                            </p:childTnLst>
+                          </p:cTn>
+                        </p:par>
+                      </p:childTnLst>
+                    </p:cTn>
+                  </p:par>
+                  <p:par>
+                    <p:cTn id="10" fill="hold">
+                      <p:stCondLst>
+                        <p:cond delay="indefinite"/>
+                      </p:stCondLst>
+                      <p:childTnLst>
+                        <p:par>
+                          <p:cTn id="11" fill="hold">
+                            <p:stCondLst>
+                              <p:cond delay="0"/>
+                            </p:stCondLst>
+                            <p:childTnLst>
+                              <p:par>
+                                <p:cTn id="12" presetID="22" presetClass="entr" presetSubtype="8" fill="hold" grpId="0" nodeType="clickEffect">
+                                  <p:stCondLst>
+                                    <p:cond delay="0"/>
+                                  </p:stCondLst>
+                                  <p:childTnLst>
+                                    <p:set>
+                                      <p:cBhvr>
+                                        <p:cTn id="13" dur="1" fill="hold">
+                                          <p:stCondLst>
+                                            <p:cond delay="0"/>
+                                          </p:stCondLst>
+                                        </p:cTn>
+                                        <p:tgtEl>
+                                          <p:spTgt spid="4"/>
+                                        </p:tgtEl>
+                                        <p:attrNameLst>
+                                          <p:attrName>style.visibility</p:attrName>
+                                        </p:attrNameLst>
+                                      </p:cBhvr>
+                                      <p:to>
+                                        <p:strVal val="visible"/>
+                                      </p:to>
+                                    </p:set>
+                                    <p:animEffect transition="in" filter="wipe(left)">
+                                      <p:cBhvr>
                                         <p:cTn id="14" dur="500"/>
                                         <p:tgtEl>
-                                          <p:spTgt spid="7"/>
+                                          <p:spTgt spid="4"/>
                                         </p:tgtEl>
                                       </p:cBhvr>
                                     </p:animEffect>
@@ -7887,7 +7887,7 @@
                             </p:stCondLst>
                             <p:childTnLst>
                               <p:par>
-                                <p:cTn id="5" presetID="22" presetClass="entr" presetSubtype="8" fill="hold" grpId="0" nodeType="clickEffect">
+                                <p:cTn id="5" presetID="53" presetClass="entr" presetSubtype="16" fill="hold" nodeType="clickEffect">
                                   <p:stCondLst>
                                     <p:cond delay="0"/>
                                   </p:stCondLst>
@@ -7900,59 +7900,6 @@
                                           </p:stCondLst>
                                         </p:cTn>
                                         <p:tgtEl>
-                                          <p:spTgt spid="4"/>
-                                        </p:tgtEl>
-                                        <p:attrNameLst>
-                                          <p:attrName>style.visibility</p:attrName>
-                                        </p:attrNameLst>
-                                      </p:cBhvr>
-                                      <p:to>
-                                        <p:strVal val="visible"/>
-                                      </p:to>
-                                    </p:set>
-                                    <p:animEffect transition="in" filter="wipe(left)">
-                                      <p:cBhvr>
-                                        <p:cTn id="7" dur="500"/>
-                                        <p:tgtEl>
-                                          <p:spTgt spid="4"/>
-                                        </p:tgtEl>
-                                      </p:cBhvr>
-                                    </p:animEffect>
-                                  </p:childTnLst>
-                                </p:cTn>
-                              </p:par>
-                            </p:childTnLst>
-                          </p:cTn>
-                        </p:par>
-                      </p:childTnLst>
-                    </p:cTn>
-                  </p:par>
-                  <p:par>
-                    <p:cTn id="8" fill="hold">
-                      <p:stCondLst>
-                        <p:cond delay="indefinite"/>
-                      </p:stCondLst>
-                      <p:childTnLst>
-                        <p:par>
-                          <p:cTn id="9" fill="hold">
-                            <p:stCondLst>
-                              <p:cond delay="0"/>
-                            </p:stCondLst>
-                            <p:childTnLst>
-                              <p:par>
-                                <p:cTn id="10" presetID="53" presetClass="entr" presetSubtype="16" fill="hold" nodeType="clickEffect">
-                                  <p:stCondLst>
-                                    <p:cond delay="0"/>
-                                  </p:stCondLst>
-                                  <p:childTnLst>
-                                    <p:set>
-                                      <p:cBhvr>
-                                        <p:cTn id="11" dur="1" fill="hold">
-                                          <p:stCondLst>
-                                            <p:cond delay="0"/>
-                                          </p:stCondLst>
-                                        </p:cTn>
-                                        <p:tgtEl>
                                           <p:spTgt spid="7"/>
                                         </p:tgtEl>
                                         <p:attrNameLst>
@@ -7965,7 +7912,7 @@
                                     </p:set>
                                     <p:anim calcmode="lin" valueType="num">
                                       <p:cBhvr>
-                                        <p:cTn id="12" dur="500" fill="hold"/>
+                                        <p:cTn id="7" dur="500" fill="hold"/>
                                         <p:tgtEl>
                                           <p:spTgt spid="7"/>
                                         </p:tgtEl>
@@ -7988,7 +7935,7 @@
                                     </p:anim>
                                     <p:anim calcmode="lin" valueType="num">
                                       <p:cBhvr>
-                                        <p:cTn id="13" dur="500" fill="hold"/>
+                                        <p:cTn id="8" dur="500" fill="hold"/>
                                         <p:tgtEl>
                                           <p:spTgt spid="7"/>
                                         </p:tgtEl>
@@ -8011,9 +7958,115 @@
                                     </p:anim>
                                     <p:animEffect transition="in" filter="fade">
                                       <p:cBhvr>
+                                        <p:cTn id="9" dur="500"/>
+                                        <p:tgtEl>
+                                          <p:spTgt spid="7"/>
+                                        </p:tgtEl>
+                                      </p:cBhvr>
+                                    </p:animEffect>
+                                  </p:childTnLst>
+                                </p:cTn>
+                              </p:par>
+                            </p:childTnLst>
+                          </p:cTn>
+                        </p:par>
+                      </p:childTnLst>
+                    </p:cTn>
+                  </p:par>
+                  <p:par>
+                    <p:cTn id="10" fill="hold">
+                      <p:stCondLst>
+                        <p:cond delay="indefinite"/>
+                      </p:stCondLst>
+                      <p:childTnLst>
+                        <p:par>
+                          <p:cTn id="11" fill="hold">
+                            <p:stCondLst>
+                              <p:cond delay="0"/>
+                            </p:stCondLst>
+                            <p:childTnLst>
+                              <p:par>
+                                <p:cTn id="12" presetID="22" presetClass="entr" presetSubtype="8" fill="hold" grpId="0" nodeType="clickEffect">
+                                  <p:stCondLst>
+                                    <p:cond delay="0"/>
+                                  </p:stCondLst>
+                                  <p:childTnLst>
+                                    <p:set>
+                                      <p:cBhvr>
+                                        <p:cTn id="13" dur="1" fill="hold">
+                                          <p:stCondLst>
+                                            <p:cond delay="0"/>
+                                          </p:stCondLst>
+                                        </p:cTn>
+                                        <p:tgtEl>
+                                          <p:spTgt spid="4"/>
+                                        </p:tgtEl>
+                                        <p:attrNameLst>
+                                          <p:attrName>style.visibility</p:attrName>
+                                        </p:attrNameLst>
+                                      </p:cBhvr>
+                                      <p:to>
+                                        <p:strVal val="visible"/>
+                                      </p:to>
+                                    </p:set>
+                                    <p:animEffect transition="in" filter="wipe(left)">
+                                      <p:cBhvr>
                                         <p:cTn id="14" dur="500"/>
                                         <p:tgtEl>
-                                          <p:spTgt spid="7"/>
+                                          <p:spTgt spid="4"/>
+                                        </p:tgtEl>
+                                      </p:cBhvr>
+                                    </p:animEffect>
+                                  </p:childTnLst>
+                                </p:cTn>
+                              </p:par>
+                            </p:childTnLst>
+                          </p:cTn>
+                        </p:par>
+                      </p:childTnLst>
+                    </p:cTn>
+                  </p:par>
+                  <p:par>
+                    <p:cTn id="15" fill="hold">
+                      <p:stCondLst>
+                        <p:cond delay="indefinite"/>
+                      </p:stCondLst>
+                      <p:childTnLst>
+                        <p:par>
+                          <p:cTn id="16" fill="hold">
+                            <p:stCondLst>
+                              <p:cond delay="0"/>
+                            </p:stCondLst>
+                            <p:childTnLst>
+                              <p:par>
+                                <p:cTn id="17" presetID="10" presetClass="entr" presetSubtype="0" fill="hold" nodeType="clickEffect">
+                                  <p:stCondLst>
+                                    <p:cond delay="0"/>
+                                  </p:stCondLst>
+                                  <p:childTnLst>
+                                    <p:set>
+                                      <p:cBhvr>
+                                        <p:cTn id="18" dur="1" fill="hold">
+                                          <p:stCondLst>
+                                            <p:cond delay="0"/>
+                                          </p:stCondLst>
+                                        </p:cTn>
+                                        <p:tgtEl>
+                                          <p:spTgt spid="4100"/>
+                                        </p:tgtEl>
+                                        <p:attrNameLst>
+                                          <p:attrName>style.visibility</p:attrName>
+                                        </p:attrNameLst>
+                                      </p:cBhvr>
+                                      <p:to>
+                                        <p:strVal val="visible"/>
+                                      </p:to>
+                                    </p:set>
+                                    <p:animEffect transition="in" filter="fade">
+                                      <p:cBhvr>
+                                        <p:cTn id="19" dur="500"/>
+                                        <p:tgtEl>
+                                          <p:spTgt spid="4100"/>
                                         </p:tgtEl>
                                       </p:cBhvr>
                                     </p:animEffect>
@@ -8301,7 +8354,7 @@
                             </p:stCondLst>
                             <p:childTnLst>
                               <p:par>
-                                <p:cTn id="5" presetID="22" presetClass="entr" presetSubtype="8" fill="hold" grpId="0" nodeType="clickEffect">
+                                <p:cTn id="5" presetID="53" presetClass="entr" presetSubtype="16" fill="hold" nodeType="clickEffect">
                                   <p:stCondLst>
                                     <p:cond delay="0"/>
                                   </p:stCondLst>
@@ -8314,112 +8367,6 @@
                                           </p:stCondLst>
                                         </p:cTn>
                                         <p:tgtEl>
-                                          <p:spTgt spid="4"/>
-                                        </p:tgtEl>
-                                        <p:attrNameLst>
-                                          <p:attrName>style.visibility</p:attrName>
-                                        </p:attrNameLst>
-                                      </p:cBhvr>
-                                      <p:to>
-                                        <p:strVal val="visible"/>
-                                      </p:to>
-                                    </p:set>
-                                    <p:animEffect transition="in" filter="wipe(left)">
-                                      <p:cBhvr>
-                                        <p:cTn id="7" dur="500"/>
-                                        <p:tgtEl>
-                                          <p:spTgt spid="4"/>
-                                        </p:tgtEl>
-                                      </p:cBhvr>
-                                    </p:animEffect>
-                                  </p:childTnLst>
-                                </p:cTn>
-                              </p:par>
-                            </p:childTnLst>
-                          </p:cTn>
-                        </p:par>
-                      </p:childTnLst>
-                    </p:cTn>
-                  </p:par>
-                  <p:par>
-                    <p:cTn id="8" fill="hold">
-                      <p:stCondLst>
-                        <p:cond delay="indefinite"/>
-                      </p:stCondLst>
-                      <p:childTnLst>
-                        <p:par>
-                          <p:cTn id="9" fill="hold">
-                            <p:stCondLst>
-                              <p:cond delay="0"/>
-                            </p:stCondLst>
-                            <p:childTnLst>
-                              <p:par>
-                                <p:cTn id="10" presetID="10" presetClass="entr" presetSubtype="0" fill="hold" grpId="0" nodeType="clickEffect">
-                                  <p:stCondLst>
-                                    <p:cond delay="0"/>
-                                  </p:stCondLst>
-                                  <p:childTnLst>
-                                    <p:set>
-                                      <p:cBhvr>
-                                        <p:cTn id="11" dur="1" fill="hold">
-                                          <p:stCondLst>
-                                            <p:cond delay="0"/>
-                                          </p:stCondLst>
-                                        </p:cTn>
-                                        <p:tgtEl>
-                                          <p:spTgt spid="5"/>
-                                        </p:tgtEl>
-                                        <p:attrNameLst>
-                                          <p:attrName>style.visibility</p:attrName>
-                                        </p:attrNameLst>
-                                      </p:cBhvr>
-                                      <p:to>
-                                        <p:strVal val="visible"/>
-                                      </p:to>
-                                    </p:set>
-                                    <p:animEffect transition="in" filter="fade">
-                                      <p:cBhvr>
-                                        <p:cTn id="12" dur="500"/>
-                                        <p:tgtEl>
-                                          <p:spTgt spid="5"/>
-                                        </p:tgtEl>
-                                      </p:cBhvr>
-                                    </p:animEffect>
-                                  </p:childTnLst>
-                                </p:cTn>
-                              </p:par>
-                            </p:childTnLst>
-                          </p:cTn>
-                        </p:par>
-                      </p:childTnLst>
-                    </p:cTn>
-                  </p:par>
-                  <p:par>
-                    <p:cTn id="13" fill="hold">
-                      <p:stCondLst>
-                        <p:cond delay="indefinite"/>
-                      </p:stCondLst>
-                      <p:childTnLst>
-                        <p:par>
-                          <p:cTn id="14" fill="hold">
-                            <p:stCondLst>
-                              <p:cond delay="0"/>
-                            </p:stCondLst>
-                            <p:childTnLst>
-                              <p:par>
-                                <p:cTn id="15" presetID="53" presetClass="entr" presetSubtype="16" fill="hold" nodeType="clickEffect">
-                                  <p:stCondLst>
-                                    <p:cond delay="0"/>
-                                  </p:stCondLst>
-                                  <p:childTnLst>
-                                    <p:set>
-                                      <p:cBhvr>
-                                        <p:cTn id="16" dur="1" fill="hold">
-                                          <p:stCondLst>
-                                            <p:cond delay="0"/>
-                                          </p:stCondLst>
-                                        </p:cTn>
-                                        <p:tgtEl>
                                           <p:spTgt spid="7"/>
                                         </p:tgtEl>
                                         <p:attrNameLst>
@@ -8432,7 +8379,7 @@
                                     </p:set>
                                     <p:anim calcmode="lin" valueType="num">
                                       <p:cBhvr>
-                                        <p:cTn id="17" dur="500" fill="hold"/>
+                                        <p:cTn id="7" dur="500" fill="hold"/>
                                         <p:tgtEl>
                                           <p:spTgt spid="7"/>
                                         </p:tgtEl>
@@ -8455,7 +8402,7 @@
                                     </p:anim>
                                     <p:anim calcmode="lin" valueType="num">
                                       <p:cBhvr>
-                                        <p:cTn id="18" dur="500" fill="hold"/>
+                                        <p:cTn id="8" dur="500" fill="hold"/>
                                         <p:tgtEl>
                                           <p:spTgt spid="7"/>
                                         </p:tgtEl>
@@ -8478,9 +8425,115 @@
                                     </p:anim>
                                     <p:animEffect transition="in" filter="fade">
                                       <p:cBhvr>
+                                        <p:cTn id="9" dur="500"/>
+                                        <p:tgtEl>
+                                          <p:spTgt spid="7"/>
+                                        </p:tgtEl>
+                                      </p:cBhvr>
+                                    </p:animEffect>
+                                  </p:childTnLst>
+                                </p:cTn>
+                              </p:par>
+                            </p:childTnLst>
+                          </p:cTn>
+                        </p:par>
+                      </p:childTnLst>
+                    </p:cTn>
+                  </p:par>
+                  <p:par>
+                    <p:cTn id="10" fill="hold">
+                      <p:stCondLst>
+                        <p:cond delay="indefinite"/>
+                      </p:stCondLst>
+                      <p:childTnLst>
+                        <p:par>
+                          <p:cTn id="11" fill="hold">
+                            <p:stCondLst>
+                              <p:cond delay="0"/>
+                            </p:stCondLst>
+                            <p:childTnLst>
+                              <p:par>
+                                <p:cTn id="12" presetID="22" presetClass="entr" presetSubtype="8" fill="hold" grpId="0" nodeType="clickEffect">
+                                  <p:stCondLst>
+                                    <p:cond delay="0"/>
+                                  </p:stCondLst>
+                                  <p:childTnLst>
+                                    <p:set>
+                                      <p:cBhvr>
+                                        <p:cTn id="13" dur="1" fill="hold">
+                                          <p:stCondLst>
+                                            <p:cond delay="0"/>
+                                          </p:stCondLst>
+                                        </p:cTn>
+                                        <p:tgtEl>
+                                          <p:spTgt spid="4"/>
+                                        </p:tgtEl>
+                                        <p:attrNameLst>
+                                          <p:attrName>style.visibility</p:attrName>
+                                        </p:attrNameLst>
+                                      </p:cBhvr>
+                                      <p:to>
+                                        <p:strVal val="visible"/>
+                                      </p:to>
+                                    </p:set>
+                                    <p:animEffect transition="in" filter="wipe(left)">
+                                      <p:cBhvr>
+                                        <p:cTn id="14" dur="500"/>
+                                        <p:tgtEl>
+                                          <p:spTgt spid="4"/>
+                                        </p:tgtEl>
+                                      </p:cBhvr>
+                                    </p:animEffect>
+                                  </p:childTnLst>
+                                </p:cTn>
+                              </p:par>
+                            </p:childTnLst>
+                          </p:cTn>
+                        </p:par>
+                      </p:childTnLst>
+                    </p:cTn>
+                  </p:par>
+                  <p:par>
+                    <p:cTn id="15" fill="hold">
+                      <p:stCondLst>
+                        <p:cond delay="indefinite"/>
+                      </p:stCondLst>
+                      <p:childTnLst>
+                        <p:par>
+                          <p:cTn id="16" fill="hold">
+                            <p:stCondLst>
+                              <p:cond delay="0"/>
+                            </p:stCondLst>
+                            <p:childTnLst>
+                              <p:par>
+                                <p:cTn id="17" presetID="10" presetClass="entr" presetSubtype="0" fill="hold" grpId="0" nodeType="clickEffect">
+                                  <p:stCondLst>
+                                    <p:cond delay="0"/>
+                                  </p:stCondLst>
+                                  <p:childTnLst>
+                                    <p:set>
+                                      <p:cBhvr>
+                                        <p:cTn id="18" dur="1" fill="hold">
+                                          <p:stCondLst>
+                                            <p:cond delay="0"/>
+                                          </p:stCondLst>
+                                        </p:cTn>
+                                        <p:tgtEl>
+                                          <p:spTgt spid="5"/>
+                                        </p:tgtEl>
+                                        <p:attrNameLst>
+                                          <p:attrName>style.visibility</p:attrName>
+                                        </p:attrNameLst>
+                                      </p:cBhvr>
+                                      <p:to>
+                                        <p:strVal val="visible"/>
+                                      </p:to>
+                                    </p:set>
+                                    <p:animEffect transition="in" filter="fade">
+                                      <p:cBhvr>
                                         <p:cTn id="19" dur="500"/>
                                         <p:tgtEl>
-                                          <p:spTgt spid="7"/>
+                                          <p:spTgt spid="5"/>
                                         </p:tgtEl>
                                       </p:cBhvr>
                                     </p:animEffect>
